--- a/Economics2/0530lectureAndResume.pptx
+++ b/Economics2/0530lectureAndResume.pptx
@@ -13779,8 +13779,8 @@
           </a:p>
         </p:txBody>
       </p:sp>
-      <mc:AlternateContent xmlns:mc="http://schemas.openxmlformats.org/markup-compatibility/2006">
-        <mc:Choice xmlns:a14="http://schemas.microsoft.com/office/drawing/2010/main" Requires="a14">
+      <mc:AlternateContent xmlns:mc="http://schemas.openxmlformats.org/markup-compatibility/2006" xmlns:a14="http://schemas.microsoft.com/office/drawing/2010/main">
+        <mc:Choice Requires="a14">
           <p:sp>
             <p:nvSpPr>
               <p:cNvPr id="21507" name="Rectangle 3"/>
@@ -14585,7 +14585,7 @@
             </p:txBody>
           </p:sp>
         </mc:Choice>
-        <mc:Fallback>
+        <mc:Fallback xmlns="">
           <p:sp>
             <p:nvSpPr>
               <p:cNvPr id="21507" name="Rectangle 3"/>
@@ -15257,7 +15257,7 @@
         <p:spPr bwMode="auto">
           <a:xfrm>
             <a:off x="5364088" y="3664744"/>
-            <a:ext cx="2952750" cy="1192212"/>
+            <a:ext cx="2952750" cy="2031325"/>
           </a:xfrm>
           <a:prstGeom prst="rect">
             <a:avLst/>
@@ -15323,6 +15323,7 @@
               <a:rPr lang="ja-JP" altLang="en-US" dirty="0"/>
               <a:t>は減少</a:t>
             </a:r>
+            <a:endParaRPr lang="en-US" altLang="ja-JP" dirty="0"/>
           </a:p>
           <a:p>
             <a:pPr>
@@ -15330,6 +15331,14 @@
                 <a:spcPct val="50000"/>
               </a:spcBef>
             </a:pPr>
+            <a:endParaRPr lang="ja-JP" altLang="en-US" dirty="0"/>
+          </a:p>
+          <a:p>
+            <a:pPr>
+              <a:spcBef>
+                <a:spcPct val="50000"/>
+              </a:spcBef>
+            </a:pPr>
             <a:r>
               <a:rPr lang="en-US" altLang="ja-JP" dirty="0"/>
               <a:t>AC&lt;MC</a:t>
@@ -15346,6 +15355,19 @@
               <a:rPr lang="ja-JP" altLang="en-US" dirty="0"/>
               <a:t>は増加</a:t>
             </a:r>
+            <a:endParaRPr lang="en-US" altLang="ja-JP" dirty="0"/>
+          </a:p>
+          <a:p>
+            <a:pPr>
+              <a:spcBef>
+                <a:spcPct val="50000"/>
+              </a:spcBef>
+            </a:pPr>
+            <a:r>
+              <a:rPr lang="ja-JP" altLang="en-US"/>
+              <a:t>上向きの力が働く</a:t>
+            </a:r>
+            <a:endParaRPr lang="en-US" altLang="ja-JP" dirty="0"/>
           </a:p>
           <a:p>
             <a:pPr>
